--- a/비전업 플러팅.pptx
+++ b/비전업 플러팅.pptx
@@ -17,11 +17,15 @@
   <p:notesSz cx="6858000" cy="9144000"/>
   <p:embeddedFontLst>
     <p:embeddedFont>
+      <p:font typeface="배달의민족 주아" panose="02020603020101020101" pitchFamily="18" charset="-127"/>
+      <p:regular r:id="rId9"/>
+    </p:embeddedFont>
+    <p:embeddedFont>
       <p:font typeface="Calibri" panose="020F0502020204030204" pitchFamily="34" charset="0"/>
-      <p:regular r:id="rId9"/>
-      <p:bold r:id="rId10"/>
-      <p:italic r:id="rId11"/>
-      <p:boldItalic r:id="rId12"/>
+      <p:regular r:id="rId10"/>
+      <p:bold r:id="rId11"/>
+      <p:italic r:id="rId12"/>
+      <p:boldItalic r:id="rId13"/>
     </p:embeddedFont>
   </p:embeddedFontLst>
   <p:defaultTextStyle>
@@ -136,14 +140,6 @@
     </p:ext>
   </p:extLst>
 </p:presentation>
-</file>
-
-<file path=ppt/revisionInfo.xml><?xml version="1.0" encoding="utf-8"?>
-<p1510:revInfo xmlns:a="http://schemas.openxmlformats.org/drawingml/2006/main" xmlns:r="http://schemas.openxmlformats.org/officeDocument/2006/relationships" xmlns:p1510="http://schemas.microsoft.com/office/powerpoint/2015/10/main">
-  <p1510:revLst>
-    <p1510:client id="{2850C156-D172-4FCF-A715-C63A7BCDC11E}" v="89" dt="2023-09-15T12:39:07.004"/>
-  </p1510:revLst>
-</p1510:revInfo>
 </file>
 
 <file path=ppt/changesInfos/changesInfo1.xml><?xml version="1.0" encoding="utf-8"?>
@@ -350,6 +346,30 @@
       </pc:sldChg>
     </pc:docChg>
   </pc:docChgLst>
+  <pc:docChgLst>
+    <pc:chgData name="태규 어" userId="37997ff5120cb0e8" providerId="LiveId" clId="{056A0B87-0500-415F-970E-285A004DCB12}"/>
+    <pc:docChg chg="modSld">
+      <pc:chgData name="태규 어" userId="37997ff5120cb0e8" providerId="LiveId" clId="{056A0B87-0500-415F-970E-285A004DCB12}" dt="2023-09-20T09:22:53.684" v="3" actId="20577"/>
+      <pc:docMkLst>
+        <pc:docMk/>
+      </pc:docMkLst>
+      <pc:sldChg chg="modSp mod">
+        <pc:chgData name="태규 어" userId="37997ff5120cb0e8" providerId="LiveId" clId="{056A0B87-0500-415F-970E-285A004DCB12}" dt="2023-09-20T09:22:53.684" v="3" actId="20577"/>
+        <pc:sldMkLst>
+          <pc:docMk/>
+          <pc:sldMk cId="0" sldId="256"/>
+        </pc:sldMkLst>
+        <pc:spChg chg="mod">
+          <ac:chgData name="태규 어" userId="37997ff5120cb0e8" providerId="LiveId" clId="{056A0B87-0500-415F-970E-285A004DCB12}" dt="2023-09-20T09:22:53.684" v="3" actId="20577"/>
+          <ac:spMkLst>
+            <pc:docMk/>
+            <pc:sldMk cId="0" sldId="256"/>
+            <ac:spMk id="19" creationId="{8E5F0DD4-47AE-8DE5-612D-A8B4BB178298}"/>
+          </ac:spMkLst>
+        </pc:spChg>
+      </pc:sldChg>
+    </pc:docChg>
+  </pc:docChgLst>
 </pc:chgInfo>
 </file>
 
@@ -533,7 +553,7 @@
             <a:fld id="{1D8BD707-D9CF-40AE-B4C6-C98DA3205C09}" type="datetimeFigureOut">
               <a:rPr lang="en-US" smtClean="0"/>
               <a:pPr/>
-              <a:t>9/18/2023</a:t>
+              <a:t>9/20/2023</a:t>
             </a:fld>
             <a:endParaRPr lang="en-US"/>
           </a:p>
@@ -698,7 +718,7 @@
             <a:fld id="{1D8BD707-D9CF-40AE-B4C6-C98DA3205C09}" type="datetimeFigureOut">
               <a:rPr lang="en-US" smtClean="0"/>
               <a:pPr/>
-              <a:t>9/18/2023</a:t>
+              <a:t>9/20/2023</a:t>
             </a:fld>
             <a:endParaRPr lang="en-US"/>
           </a:p>
@@ -873,7 +893,7 @@
             <a:fld id="{1D8BD707-D9CF-40AE-B4C6-C98DA3205C09}" type="datetimeFigureOut">
               <a:rPr lang="en-US" smtClean="0"/>
               <a:pPr/>
-              <a:t>9/18/2023</a:t>
+              <a:t>9/20/2023</a:t>
             </a:fld>
             <a:endParaRPr lang="en-US"/>
           </a:p>
@@ -1038,7 +1058,7 @@
             <a:fld id="{1D8BD707-D9CF-40AE-B4C6-C98DA3205C09}" type="datetimeFigureOut">
               <a:rPr lang="en-US" smtClean="0"/>
               <a:pPr/>
-              <a:t>9/18/2023</a:t>
+              <a:t>9/20/2023</a:t>
             </a:fld>
             <a:endParaRPr lang="en-US"/>
           </a:p>
@@ -1280,7 +1300,7 @@
             <a:fld id="{1D8BD707-D9CF-40AE-B4C6-C98DA3205C09}" type="datetimeFigureOut">
               <a:rPr lang="en-US" smtClean="0"/>
               <a:pPr/>
-              <a:t>9/18/2023</a:t>
+              <a:t>9/20/2023</a:t>
             </a:fld>
             <a:endParaRPr lang="en-US"/>
           </a:p>
@@ -1562,7 +1582,7 @@
             <a:fld id="{1D8BD707-D9CF-40AE-B4C6-C98DA3205C09}" type="datetimeFigureOut">
               <a:rPr lang="en-US" smtClean="0"/>
               <a:pPr/>
-              <a:t>9/18/2023</a:t>
+              <a:t>9/20/2023</a:t>
             </a:fld>
             <a:endParaRPr lang="en-US"/>
           </a:p>
@@ -1978,7 +1998,7 @@
             <a:fld id="{1D8BD707-D9CF-40AE-B4C6-C98DA3205C09}" type="datetimeFigureOut">
               <a:rPr lang="en-US" smtClean="0"/>
               <a:pPr/>
-              <a:t>9/18/2023</a:t>
+              <a:t>9/20/2023</a:t>
             </a:fld>
             <a:endParaRPr lang="en-US"/>
           </a:p>
@@ -2092,7 +2112,7 @@
             <a:fld id="{1D8BD707-D9CF-40AE-B4C6-C98DA3205C09}" type="datetimeFigureOut">
               <a:rPr lang="en-US" smtClean="0"/>
               <a:pPr/>
-              <a:t>9/18/2023</a:t>
+              <a:t>9/20/2023</a:t>
             </a:fld>
             <a:endParaRPr lang="en-US"/>
           </a:p>
@@ -2184,7 +2204,7 @@
             <a:fld id="{1D8BD707-D9CF-40AE-B4C6-C98DA3205C09}" type="datetimeFigureOut">
               <a:rPr lang="en-US" smtClean="0"/>
               <a:pPr/>
-              <a:t>9/18/2023</a:t>
+              <a:t>9/20/2023</a:t>
             </a:fld>
             <a:endParaRPr lang="en-US"/>
           </a:p>
@@ -2456,7 +2476,7 @@
             <a:fld id="{1D8BD707-D9CF-40AE-B4C6-C98DA3205C09}" type="datetimeFigureOut">
               <a:rPr lang="en-US" smtClean="0"/>
               <a:pPr/>
-              <a:t>9/18/2023</a:t>
+              <a:t>9/20/2023</a:t>
             </a:fld>
             <a:endParaRPr lang="en-US"/>
           </a:p>
@@ -2705,7 +2725,7 @@
             <a:fld id="{1D8BD707-D9CF-40AE-B4C6-C98DA3205C09}" type="datetimeFigureOut">
               <a:rPr lang="en-US" smtClean="0"/>
               <a:pPr/>
-              <a:t>9/18/2023</a:t>
+              <a:t>9/20/2023</a:t>
             </a:fld>
             <a:endParaRPr lang="en-US"/>
           </a:p>
@@ -2913,7 +2933,7 @@
             <a:fld id="{1D8BD707-D9CF-40AE-B4C6-C98DA3205C09}" type="datetimeFigureOut">
               <a:rPr lang="en-US" smtClean="0"/>
               <a:pPr/>
-              <a:t>9/18/2023</a:t>
+              <a:t>9/20/2023</a:t>
             </a:fld>
             <a:endParaRPr lang="en-US"/>
           </a:p>
@@ -3804,7 +3824,7 @@
               </a:spcBef>
             </a:pPr>
             <a:r>
-              <a:rPr lang="ko-KR" altLang="en-US" sz="2700">
+              <a:rPr lang="ko-KR" altLang="en-US" sz="2700" dirty="0">
                 <a:solidFill>
                   <a:srgbClr val="000000"/>
                 </a:solidFill>
@@ -3821,7 +3841,7 @@
                 <a:latin typeface="Nanum Gothic Bold" panose="020B0600000101010101" charset="-127"/>
                 <a:ea typeface="Nanum Gothic Bold" panose="020B0600000101010101" charset="-127"/>
               </a:rPr>
-              <a:t>201913XX</a:t>
+              <a:t>20191327</a:t>
             </a:r>
             <a:r>
               <a:rPr lang="ko-KR" altLang="en-US" sz="2700">
@@ -3843,7 +3863,7 @@
               </a:rPr>
               <a:t>어태규</a:t>
             </a:r>
-            <a:endParaRPr lang="en-US" sz="2700">
+            <a:endParaRPr lang="en-US" sz="2700" dirty="0">
               <a:solidFill>
                 <a:srgbClr val="000000"/>
               </a:solidFill>

--- a/비전업 플러팅.pptx
+++ b/비전업 플러팅.pptx
@@ -155,18 +155,18 @@
   <pc:docChgLst>
     <pc:chgData name="김성연" userId="7604e5c5-d350-4c2e-9026-e231112487a1" providerId="ADAL" clId="{2850C156-D172-4FCF-A715-C63A7BCDC11E}"/>
     <pc:docChg chg="undo custSel addSld delSld modSld">
-      <pc:chgData name="김성연" userId="7604e5c5-d350-4c2e-9026-e231112487a1" providerId="ADAL" clId="{2850C156-D172-4FCF-A715-C63A7BCDC11E}" dt="2023-10-02T08:41:43.688" v="100" actId="1076"/>
+      <pc:chgData name="김성연" userId="7604e5c5-d350-4c2e-9026-e231112487a1" providerId="ADAL" clId="{2850C156-D172-4FCF-A715-C63A7BCDC11E}" dt="2023-10-07T11:54:15.248" v="101" actId="1076"/>
       <pc:docMkLst>
         <pc:docMk/>
       </pc:docMkLst>
       <pc:sldChg chg="modSp mod">
-        <pc:chgData name="김성연" userId="7604e5c5-d350-4c2e-9026-e231112487a1" providerId="ADAL" clId="{2850C156-D172-4FCF-A715-C63A7BCDC11E}" dt="2023-10-02T08:41:43.688" v="100" actId="1076"/>
+        <pc:chgData name="김성연" userId="7604e5c5-d350-4c2e-9026-e231112487a1" providerId="ADAL" clId="{2850C156-D172-4FCF-A715-C63A7BCDC11E}" dt="2023-10-07T11:54:15.248" v="101" actId="1076"/>
         <pc:sldMkLst>
           <pc:docMk/>
           <pc:sldMk cId="0" sldId="256"/>
         </pc:sldMkLst>
         <pc:spChg chg="mod">
-          <ac:chgData name="김성연" userId="7604e5c5-d350-4c2e-9026-e231112487a1" providerId="ADAL" clId="{2850C156-D172-4FCF-A715-C63A7BCDC11E}" dt="2023-10-02T08:41:43.688" v="100" actId="1076"/>
+          <ac:chgData name="김성연" userId="7604e5c5-d350-4c2e-9026-e231112487a1" providerId="ADAL" clId="{2850C156-D172-4FCF-A715-C63A7BCDC11E}" dt="2023-10-07T11:54:15.248" v="101" actId="1076"/>
           <ac:spMkLst>
             <pc:docMk/>
             <pc:sldMk cId="0" sldId="256"/>
@@ -537,7 +537,7 @@
             <a:fld id="{1D8BD707-D9CF-40AE-B4C6-C98DA3205C09}" type="datetimeFigureOut">
               <a:rPr lang="en-US" smtClean="0"/>
               <a:pPr/>
-              <a:t>10/2/2023</a:t>
+              <a:t>10/7/2023</a:t>
             </a:fld>
             <a:endParaRPr lang="en-US"/>
           </a:p>
@@ -702,7 +702,7 @@
             <a:fld id="{1D8BD707-D9CF-40AE-B4C6-C98DA3205C09}" type="datetimeFigureOut">
               <a:rPr lang="en-US" smtClean="0"/>
               <a:pPr/>
-              <a:t>10/2/2023</a:t>
+              <a:t>10/7/2023</a:t>
             </a:fld>
             <a:endParaRPr lang="en-US"/>
           </a:p>
@@ -877,7 +877,7 @@
             <a:fld id="{1D8BD707-D9CF-40AE-B4C6-C98DA3205C09}" type="datetimeFigureOut">
               <a:rPr lang="en-US" smtClean="0"/>
               <a:pPr/>
-              <a:t>10/2/2023</a:t>
+              <a:t>10/7/2023</a:t>
             </a:fld>
             <a:endParaRPr lang="en-US"/>
           </a:p>
@@ -1042,7 +1042,7 @@
             <a:fld id="{1D8BD707-D9CF-40AE-B4C6-C98DA3205C09}" type="datetimeFigureOut">
               <a:rPr lang="en-US" smtClean="0"/>
               <a:pPr/>
-              <a:t>10/2/2023</a:t>
+              <a:t>10/7/2023</a:t>
             </a:fld>
             <a:endParaRPr lang="en-US"/>
           </a:p>
@@ -1284,7 +1284,7 @@
             <a:fld id="{1D8BD707-D9CF-40AE-B4C6-C98DA3205C09}" type="datetimeFigureOut">
               <a:rPr lang="en-US" smtClean="0"/>
               <a:pPr/>
-              <a:t>10/2/2023</a:t>
+              <a:t>10/7/2023</a:t>
             </a:fld>
             <a:endParaRPr lang="en-US"/>
           </a:p>
@@ -1566,7 +1566,7 @@
             <a:fld id="{1D8BD707-D9CF-40AE-B4C6-C98DA3205C09}" type="datetimeFigureOut">
               <a:rPr lang="en-US" smtClean="0"/>
               <a:pPr/>
-              <a:t>10/2/2023</a:t>
+              <a:t>10/7/2023</a:t>
             </a:fld>
             <a:endParaRPr lang="en-US"/>
           </a:p>
@@ -1982,7 +1982,7 @@
             <a:fld id="{1D8BD707-D9CF-40AE-B4C6-C98DA3205C09}" type="datetimeFigureOut">
               <a:rPr lang="en-US" smtClean="0"/>
               <a:pPr/>
-              <a:t>10/2/2023</a:t>
+              <a:t>10/7/2023</a:t>
             </a:fld>
             <a:endParaRPr lang="en-US"/>
           </a:p>
@@ -2096,7 +2096,7 @@
             <a:fld id="{1D8BD707-D9CF-40AE-B4C6-C98DA3205C09}" type="datetimeFigureOut">
               <a:rPr lang="en-US" smtClean="0"/>
               <a:pPr/>
-              <a:t>10/2/2023</a:t>
+              <a:t>10/7/2023</a:t>
             </a:fld>
             <a:endParaRPr lang="en-US"/>
           </a:p>
@@ -2188,7 +2188,7 @@
             <a:fld id="{1D8BD707-D9CF-40AE-B4C6-C98DA3205C09}" type="datetimeFigureOut">
               <a:rPr lang="en-US" smtClean="0"/>
               <a:pPr/>
-              <a:t>10/2/2023</a:t>
+              <a:t>10/7/2023</a:t>
             </a:fld>
             <a:endParaRPr lang="en-US"/>
           </a:p>
@@ -2460,7 +2460,7 @@
             <a:fld id="{1D8BD707-D9CF-40AE-B4C6-C98DA3205C09}" type="datetimeFigureOut">
               <a:rPr lang="en-US" smtClean="0"/>
               <a:pPr/>
-              <a:t>10/2/2023</a:t>
+              <a:t>10/7/2023</a:t>
             </a:fld>
             <a:endParaRPr lang="en-US"/>
           </a:p>
@@ -2709,7 +2709,7 @@
             <a:fld id="{1D8BD707-D9CF-40AE-B4C6-C98DA3205C09}" type="datetimeFigureOut">
               <a:rPr lang="en-US" smtClean="0"/>
               <a:pPr/>
-              <a:t>10/2/2023</a:t>
+              <a:t>10/7/2023</a:t>
             </a:fld>
             <a:endParaRPr lang="en-US"/>
           </a:p>
@@ -2917,7 +2917,7 @@
             <a:fld id="{1D8BD707-D9CF-40AE-B4C6-C98DA3205C09}" type="datetimeFigureOut">
               <a:rPr lang="en-US" smtClean="0"/>
               <a:pPr/>
-              <a:t>10/2/2023</a:t>
+              <a:t>10/7/2023</a:t>
             </a:fld>
             <a:endParaRPr lang="en-US"/>
           </a:p>
@@ -3296,7 +3296,7 @@
         </p:nvSpPr>
         <p:spPr>
           <a:xfrm>
-            <a:off x="5233716" y="5739765"/>
+            <a:off x="0" y="0"/>
             <a:ext cx="18288000" cy="6243320"/>
           </a:xfrm>
           <a:prstGeom prst="rect">
